--- a/document/Masterarbeit/images/CompilerPhasen.pptx
+++ b/document/Masterarbeit/images/CompilerPhasen.pptx
@@ -288,7 +288,7 @@
           <a:p>
             <a:fld id="{5D52A26F-389A-49F1-AC21-8E0B060460FF}" type="datetimeFigureOut">
               <a:rPr lang="de-AT" smtClean="0"/>
-              <a:t>05.08.2012</a:t>
+              <a:t>12.09.2012</a:t>
             </a:fld>
             <a:endParaRPr lang="de-AT"/>
           </a:p>
@@ -458,7 +458,7 @@
           <a:p>
             <a:fld id="{5D52A26F-389A-49F1-AC21-8E0B060460FF}" type="datetimeFigureOut">
               <a:rPr lang="de-AT" smtClean="0"/>
-              <a:t>05.08.2012</a:t>
+              <a:t>12.09.2012</a:t>
             </a:fld>
             <a:endParaRPr lang="de-AT"/>
           </a:p>
@@ -638,7 +638,7 @@
           <a:p>
             <a:fld id="{5D52A26F-389A-49F1-AC21-8E0B060460FF}" type="datetimeFigureOut">
               <a:rPr lang="de-AT" smtClean="0"/>
-              <a:t>05.08.2012</a:t>
+              <a:t>12.09.2012</a:t>
             </a:fld>
             <a:endParaRPr lang="de-AT"/>
           </a:p>
@@ -808,7 +808,7 @@
           <a:p>
             <a:fld id="{5D52A26F-389A-49F1-AC21-8E0B060460FF}" type="datetimeFigureOut">
               <a:rPr lang="de-AT" smtClean="0"/>
-              <a:t>05.08.2012</a:t>
+              <a:t>12.09.2012</a:t>
             </a:fld>
             <a:endParaRPr lang="de-AT"/>
           </a:p>
@@ -1054,7 +1054,7 @@
           <a:p>
             <a:fld id="{5D52A26F-389A-49F1-AC21-8E0B060460FF}" type="datetimeFigureOut">
               <a:rPr lang="de-AT" smtClean="0"/>
-              <a:t>05.08.2012</a:t>
+              <a:t>12.09.2012</a:t>
             </a:fld>
             <a:endParaRPr lang="de-AT"/>
           </a:p>
@@ -1342,7 +1342,7 @@
           <a:p>
             <a:fld id="{5D52A26F-389A-49F1-AC21-8E0B060460FF}" type="datetimeFigureOut">
               <a:rPr lang="de-AT" smtClean="0"/>
-              <a:t>05.08.2012</a:t>
+              <a:t>12.09.2012</a:t>
             </a:fld>
             <a:endParaRPr lang="de-AT"/>
           </a:p>
@@ -1764,7 +1764,7 @@
           <a:p>
             <a:fld id="{5D52A26F-389A-49F1-AC21-8E0B060460FF}" type="datetimeFigureOut">
               <a:rPr lang="de-AT" smtClean="0"/>
-              <a:t>05.08.2012</a:t>
+              <a:t>12.09.2012</a:t>
             </a:fld>
             <a:endParaRPr lang="de-AT"/>
           </a:p>
@@ -1882,7 +1882,7 @@
           <a:p>
             <a:fld id="{5D52A26F-389A-49F1-AC21-8E0B060460FF}" type="datetimeFigureOut">
               <a:rPr lang="de-AT" smtClean="0"/>
-              <a:t>05.08.2012</a:t>
+              <a:t>12.09.2012</a:t>
             </a:fld>
             <a:endParaRPr lang="de-AT"/>
           </a:p>
@@ -1977,7 +1977,7 @@
           <a:p>
             <a:fld id="{5D52A26F-389A-49F1-AC21-8E0B060460FF}" type="datetimeFigureOut">
               <a:rPr lang="de-AT" smtClean="0"/>
-              <a:t>05.08.2012</a:t>
+              <a:t>12.09.2012</a:t>
             </a:fld>
             <a:endParaRPr lang="de-AT"/>
           </a:p>
@@ -2254,7 +2254,7 @@
           <a:p>
             <a:fld id="{5D52A26F-389A-49F1-AC21-8E0B060460FF}" type="datetimeFigureOut">
               <a:rPr lang="de-AT" smtClean="0"/>
-              <a:t>05.08.2012</a:t>
+              <a:t>12.09.2012</a:t>
             </a:fld>
             <a:endParaRPr lang="de-AT"/>
           </a:p>
@@ -2507,7 +2507,7 @@
           <a:p>
             <a:fld id="{5D52A26F-389A-49F1-AC21-8E0B060460FF}" type="datetimeFigureOut">
               <a:rPr lang="de-AT" smtClean="0"/>
-              <a:t>05.08.2012</a:t>
+              <a:t>12.09.2012</a:t>
             </a:fld>
             <a:endParaRPr lang="de-AT"/>
           </a:p>
@@ -2720,7 +2720,7 @@
           <a:p>
             <a:fld id="{5D52A26F-389A-49F1-AC21-8E0B060460FF}" type="datetimeFigureOut">
               <a:rPr lang="de-AT" smtClean="0"/>
-              <a:t>05.08.2012</a:t>
+              <a:t>12.09.2012</a:t>
             </a:fld>
             <a:endParaRPr lang="de-AT"/>
           </a:p>
@@ -3350,7 +3350,7 @@
                   <a:schemeClr val="tx1"/>
                 </a:solidFill>
               </a:rPr>
-              <a:t>PreAnalyzerTransformer</a:t>
+              <a:t>ASTNodeTransformer</a:t>
             </a:r>
             <a:endParaRPr lang="de-AT" dirty="0">
               <a:solidFill>
